--- a/EE/ppt/Speeding Up Distributed Machine Learning Using Codes.pptx
+++ b/EE/ppt/Speeding Up Distributed Machine Learning Using Codes.pptx
@@ -256,7 +256,7 @@
           <a:p>
             <a:fld id="{A60D5959-F2DF-4BE2-A33E-EB6DFA206F64}" type="datetimeFigureOut">
               <a:rPr lang="zh-CN" altLang="en-US" smtClean="0"/>
-              <a:t>2019/7/26</a:t>
+              <a:t>2019/10/31</a:t>
             </a:fld>
             <a:endParaRPr lang="zh-CN" altLang="en-US"/>
           </a:p>
@@ -438,7 +438,7 @@
           <a:p>
             <a:fld id="{A74060A7-92A3-4E1A-BCC5-525FEDC6007E}" type="datetimeFigureOut">
               <a:rPr lang="zh-CN" altLang="en-US" smtClean="0"/>
-              <a:t>2019/7/26</a:t>
+              <a:t>2019/10/31</a:t>
             </a:fld>
             <a:endParaRPr lang="zh-CN" altLang="en-US"/>
           </a:p>
@@ -1796,7 +1796,7 @@
           <a:p>
             <a:fld id="{372EE8CB-3A77-4C6A-AFF0-59F69825E20F}" type="datetime1">
               <a:rPr lang="zh-CN" altLang="en-US" smtClean="0"/>
-              <a:t>2019/7/26</a:t>
+              <a:t>2019/10/31</a:t>
             </a:fld>
             <a:endParaRPr lang="zh-CN" altLang="en-US"/>
           </a:p>
@@ -1994,7 +1994,7 @@
           <a:p>
             <a:fld id="{FC8CE0EB-E12B-4EB5-9F47-8E68AF1B5F68}" type="datetime1">
               <a:rPr lang="zh-CN" altLang="en-US" smtClean="0"/>
-              <a:t>2019/7/26</a:t>
+              <a:t>2019/10/31</a:t>
             </a:fld>
             <a:endParaRPr lang="zh-CN" altLang="en-US"/>
           </a:p>
@@ -2202,7 +2202,7 @@
           <a:p>
             <a:fld id="{1283AB80-D84D-4B43-918D-C0FD0C03CF4F}" type="datetime1">
               <a:rPr lang="zh-CN" altLang="en-US" smtClean="0"/>
-              <a:t>2019/7/26</a:t>
+              <a:t>2019/10/31</a:t>
             </a:fld>
             <a:endParaRPr lang="zh-CN" altLang="en-US"/>
           </a:p>
@@ -2404,7 +2404,7 @@
           <a:p>
             <a:fld id="{372EE8CB-3A77-4C6A-AFF0-59F69825E20F}" type="datetime1">
               <a:rPr lang="zh-CN" altLang="en-US" smtClean="0"/>
-              <a:t>2019/7/26</a:t>
+              <a:t>2019/10/31</a:t>
             </a:fld>
             <a:endParaRPr lang="zh-CN" altLang="en-US"/>
           </a:p>
@@ -2572,7 +2572,7 @@
           <a:p>
             <a:fld id="{9512E572-114F-4A47-B264-2ACA932D1A92}" type="datetime1">
               <a:rPr lang="zh-CN" altLang="en-US" smtClean="0"/>
-              <a:t>2019/7/26</a:t>
+              <a:t>2019/10/31</a:t>
             </a:fld>
             <a:endParaRPr lang="zh-CN" altLang="en-US"/>
           </a:p>
@@ -2817,7 +2817,7 @@
           <a:p>
             <a:fld id="{0B8804B4-6ADC-48C0-A704-5ED7C7E4C338}" type="datetime1">
               <a:rPr lang="zh-CN" altLang="en-US" smtClean="0"/>
-              <a:t>2019/7/26</a:t>
+              <a:t>2019/10/31</a:t>
             </a:fld>
             <a:endParaRPr lang="zh-CN" altLang="en-US"/>
           </a:p>
@@ -3046,7 +3046,7 @@
           <a:p>
             <a:fld id="{B94F5617-45E2-4251-BD76-D65923D5C7E0}" type="datetime1">
               <a:rPr lang="zh-CN" altLang="en-US" smtClean="0"/>
-              <a:t>2019/7/26</a:t>
+              <a:t>2019/10/31</a:t>
             </a:fld>
             <a:endParaRPr lang="zh-CN" altLang="en-US"/>
           </a:p>
@@ -3410,7 +3410,7 @@
           <a:p>
             <a:fld id="{287D40E3-FEFF-4690-BCA5-A5A8E0C48902}" type="datetime1">
               <a:rPr lang="zh-CN" altLang="en-US" smtClean="0"/>
-              <a:t>2019/7/26</a:t>
+              <a:t>2019/10/31</a:t>
             </a:fld>
             <a:endParaRPr lang="zh-CN" altLang="en-US"/>
           </a:p>
@@ -3527,7 +3527,7 @@
           <a:p>
             <a:fld id="{7BFDC8B7-EC3D-47C7-B969-F2D961EB4801}" type="datetime1">
               <a:rPr lang="zh-CN" altLang="en-US" smtClean="0"/>
-              <a:t>2019/7/26</a:t>
+              <a:t>2019/10/31</a:t>
             </a:fld>
             <a:endParaRPr lang="zh-CN" altLang="en-US"/>
           </a:p>
@@ -3622,7 +3622,7 @@
           <a:p>
             <a:fld id="{2F1D7D7D-9584-4C41-9615-75162AC1D72A}" type="datetime1">
               <a:rPr lang="zh-CN" altLang="en-US" smtClean="0"/>
-              <a:t>2019/7/26</a:t>
+              <a:t>2019/10/31</a:t>
             </a:fld>
             <a:endParaRPr lang="zh-CN" altLang="en-US"/>
           </a:p>
@@ -3897,7 +3897,7 @@
           <a:p>
             <a:fld id="{EFBFB2C7-CF7D-4C61-8BD7-EF6C5EBDB12D}" type="datetime1">
               <a:rPr lang="zh-CN" altLang="en-US" smtClean="0"/>
-              <a:t>2019/7/26</a:t>
+              <a:t>2019/10/31</a:t>
             </a:fld>
             <a:endParaRPr lang="zh-CN" altLang="en-US"/>
           </a:p>
@@ -4083,7 +4083,7 @@
           <a:p>
             <a:fld id="{9512E572-114F-4A47-B264-2ACA932D1A92}" type="datetime1">
               <a:rPr lang="zh-CN" altLang="en-US" smtClean="0"/>
-              <a:t>2019/7/26</a:t>
+              <a:t>2019/10/31</a:t>
             </a:fld>
             <a:endParaRPr lang="zh-CN" altLang="en-US"/>
           </a:p>
@@ -4347,7 +4347,7 @@
           <a:p>
             <a:fld id="{C6302770-08E6-4814-AC98-232EEA05B83F}" type="datetime1">
               <a:rPr lang="zh-CN" altLang="en-US" smtClean="0"/>
-              <a:t>2019/7/26</a:t>
+              <a:t>2019/10/31</a:t>
             </a:fld>
             <a:endParaRPr lang="zh-CN" altLang="en-US"/>
           </a:p>
@@ -4515,7 +4515,7 @@
           <a:p>
             <a:fld id="{FC8CE0EB-E12B-4EB5-9F47-8E68AF1B5F68}" type="datetime1">
               <a:rPr lang="zh-CN" altLang="en-US" smtClean="0"/>
-              <a:t>2019/7/26</a:t>
+              <a:t>2019/10/31</a:t>
             </a:fld>
             <a:endParaRPr lang="zh-CN" altLang="en-US"/>
           </a:p>
@@ -4693,7 +4693,7 @@
           <a:p>
             <a:fld id="{1283AB80-D84D-4B43-918D-C0FD0C03CF4F}" type="datetime1">
               <a:rPr lang="zh-CN" altLang="en-US" smtClean="0"/>
-              <a:t>2019/7/26</a:t>
+              <a:t>2019/10/31</a:t>
             </a:fld>
             <a:endParaRPr lang="zh-CN" altLang="en-US"/>
           </a:p>
@@ -4956,7 +4956,7 @@
           <a:p>
             <a:fld id="{0B8804B4-6ADC-48C0-A704-5ED7C7E4C338}" type="datetime1">
               <a:rPr lang="zh-CN" altLang="en-US" smtClean="0"/>
-              <a:t>2019/7/26</a:t>
+              <a:t>2019/10/31</a:t>
             </a:fld>
             <a:endParaRPr lang="zh-CN" altLang="en-US"/>
           </a:p>
@@ -5221,7 +5221,7 @@
           <a:p>
             <a:fld id="{B94F5617-45E2-4251-BD76-D65923D5C7E0}" type="datetime1">
               <a:rPr lang="zh-CN" altLang="en-US" smtClean="0"/>
-              <a:t>2019/7/26</a:t>
+              <a:t>2019/10/31</a:t>
             </a:fld>
             <a:endParaRPr lang="zh-CN" altLang="en-US"/>
           </a:p>
@@ -5633,7 +5633,7 @@
           <a:p>
             <a:fld id="{287D40E3-FEFF-4690-BCA5-A5A8E0C48902}" type="datetime1">
               <a:rPr lang="zh-CN" altLang="en-US" smtClean="0"/>
-              <a:t>2019/7/26</a:t>
+              <a:t>2019/10/31</a:t>
             </a:fld>
             <a:endParaRPr lang="zh-CN" altLang="en-US"/>
           </a:p>
@@ -5774,7 +5774,7 @@
           <a:p>
             <a:fld id="{7BFDC8B7-EC3D-47C7-B969-F2D961EB4801}" type="datetime1">
               <a:rPr lang="zh-CN" altLang="en-US" smtClean="0"/>
-              <a:t>2019/7/26</a:t>
+              <a:t>2019/10/31</a:t>
             </a:fld>
             <a:endParaRPr lang="zh-CN" altLang="en-US"/>
           </a:p>
@@ -5887,7 +5887,7 @@
           <a:p>
             <a:fld id="{2F1D7D7D-9584-4C41-9615-75162AC1D72A}" type="datetime1">
               <a:rPr lang="zh-CN" altLang="en-US" smtClean="0"/>
-              <a:t>2019/7/26</a:t>
+              <a:t>2019/10/31</a:t>
             </a:fld>
             <a:endParaRPr lang="zh-CN" altLang="en-US"/>
           </a:p>
@@ -6198,7 +6198,7 @@
           <a:p>
             <a:fld id="{EFBFB2C7-CF7D-4C61-8BD7-EF6C5EBDB12D}" type="datetime1">
               <a:rPr lang="zh-CN" altLang="en-US" smtClean="0"/>
-              <a:t>2019/7/26</a:t>
+              <a:t>2019/10/31</a:t>
             </a:fld>
             <a:endParaRPr lang="zh-CN" altLang="en-US"/>
           </a:p>
@@ -6486,7 +6486,7 @@
           <a:p>
             <a:fld id="{C6302770-08E6-4814-AC98-232EEA05B83F}" type="datetime1">
               <a:rPr lang="zh-CN" altLang="en-US" smtClean="0"/>
-              <a:t>2019/7/26</a:t>
+              <a:t>2019/10/31</a:t>
             </a:fld>
             <a:endParaRPr lang="zh-CN" altLang="en-US"/>
           </a:p>
@@ -6727,7 +6727,7 @@
           <a:p>
             <a:fld id="{DEF41934-877F-4582-B851-7425E20F4D51}" type="datetime1">
               <a:rPr lang="zh-CN" altLang="en-US" smtClean="0"/>
-              <a:t>2019/7/26</a:t>
+              <a:t>2019/10/31</a:t>
             </a:fld>
             <a:endParaRPr lang="zh-CN" altLang="en-US"/>
           </a:p>
@@ -7278,7 +7278,7 @@
           <a:p>
             <a:fld id="{DEF41934-877F-4582-B851-7425E20F4D51}" type="datetime1">
               <a:rPr lang="zh-CN" altLang="en-US" smtClean="0"/>
-              <a:t>2019/7/26</a:t>
+              <a:t>2019/10/31</a:t>
             </a:fld>
             <a:endParaRPr lang="zh-CN" altLang="en-US"/>
           </a:p>
@@ -11981,7 +11981,7 @@
         <p:spPr>
           <a:xfrm>
             <a:off x="216000" y="216168"/>
-            <a:ext cx="3128889" cy="464869"/>
+            <a:ext cx="3281802" cy="464869"/>
           </a:xfrm>
         </p:spPr>
         <p:txBody>
@@ -11992,15 +11992,7 @@
           <a:p>
             <a:r>
               <a:rPr lang="en-US" altLang="zh-CN" dirty="0"/>
-              <a:t>5</a:t>
-            </a:r>
-            <a:r>
-              <a:rPr lang="en-US" altLang="zh-CN"/>
-              <a:t>.</a:t>
-            </a:r>
-            <a:r>
-              <a:rPr lang="en-US" altLang="zh-CN" dirty="0"/>
-              <a:t>Conclusion</a:t>
+              <a:t>5.Conclusion</a:t>
             </a:r>
             <a:endParaRPr lang="zh-CN" altLang="en-US" dirty="0"/>
           </a:p>
@@ -13528,9 +13520,9 @@
         <a:srgbClr val="954F72"/>
       </a:folHlink>
     </a:clrScheme>
-    <a:fontScheme name="正规">
+    <a:fontScheme name="自定义 1">
       <a:majorFont>
-        <a:latin typeface="tine"/>
+        <a:latin typeface="Times New Roman"/>
         <a:ea typeface="宋体"/>
         <a:cs typeface=""/>
       </a:majorFont>
